--- a/Day_1/Day_1_Lectures/Slides/Day_1_Pub+Link.pptx
+++ b/Day_1/Day_1_Lectures/Slides/Day_1_Pub+Link.pptx
@@ -202,7 +202,7 @@
           <a:p>
             <a:fld id="{45586817-605E-4344-BE5D-C9A6B8659F9F}" type="datetimeFigureOut">
               <a:rPr lang="en-US" smtClean="0"/>
-              <a:t>1/19/15</a:t>
+              <a:t>2/14/15</a:t>
             </a:fld>
             <a:endParaRPr lang="en-US"/>
           </a:p>
@@ -1288,7 +1288,7 @@
           <a:p>
             <a:fld id="{9D6228D5-5F93-BB4A-964B-203967C46295}" type="datetimeFigureOut">
               <a:rPr lang="en-US" smtClean="0"/>
-              <a:t>1/19/15</a:t>
+              <a:t>2/14/15</a:t>
             </a:fld>
             <a:endParaRPr lang="en-US"/>
           </a:p>
@@ -1458,7 +1458,7 @@
           <a:p>
             <a:fld id="{9D6228D5-5F93-BB4A-964B-203967C46295}" type="datetimeFigureOut">
               <a:rPr lang="en-US" smtClean="0"/>
-              <a:t>1/19/15</a:t>
+              <a:t>2/14/15</a:t>
             </a:fld>
             <a:endParaRPr lang="en-US"/>
           </a:p>
@@ -1638,7 +1638,7 @@
           <a:p>
             <a:fld id="{9D6228D5-5F93-BB4A-964B-203967C46295}" type="datetimeFigureOut">
               <a:rPr lang="en-US" smtClean="0"/>
-              <a:t>1/19/15</a:t>
+              <a:t>2/14/15</a:t>
             </a:fld>
             <a:endParaRPr lang="en-US"/>
           </a:p>
@@ -1808,7 +1808,7 @@
           <a:p>
             <a:fld id="{9D6228D5-5F93-BB4A-964B-203967C46295}" type="datetimeFigureOut">
               <a:rPr lang="en-US" smtClean="0"/>
-              <a:t>1/19/15</a:t>
+              <a:t>2/14/15</a:t>
             </a:fld>
             <a:endParaRPr lang="en-US"/>
           </a:p>
@@ -2054,7 +2054,7 @@
           <a:p>
             <a:fld id="{9D6228D5-5F93-BB4A-964B-203967C46295}" type="datetimeFigureOut">
               <a:rPr lang="en-US" smtClean="0"/>
-              <a:t>1/19/15</a:t>
+              <a:t>2/14/15</a:t>
             </a:fld>
             <a:endParaRPr lang="en-US"/>
           </a:p>
@@ -2342,7 +2342,7 @@
           <a:p>
             <a:fld id="{9D6228D5-5F93-BB4A-964B-203967C46295}" type="datetimeFigureOut">
               <a:rPr lang="en-US" smtClean="0"/>
-              <a:t>1/19/15</a:t>
+              <a:t>2/14/15</a:t>
             </a:fld>
             <a:endParaRPr lang="en-US"/>
           </a:p>
@@ -2764,7 +2764,7 @@
           <a:p>
             <a:fld id="{9D6228D5-5F93-BB4A-964B-203967C46295}" type="datetimeFigureOut">
               <a:rPr lang="en-US" smtClean="0"/>
-              <a:t>1/19/15</a:t>
+              <a:t>2/14/15</a:t>
             </a:fld>
             <a:endParaRPr lang="en-US"/>
           </a:p>
@@ -2882,7 +2882,7 @@
           <a:p>
             <a:fld id="{9D6228D5-5F93-BB4A-964B-203967C46295}" type="datetimeFigureOut">
               <a:rPr lang="en-US" smtClean="0"/>
-              <a:t>1/19/15</a:t>
+              <a:t>2/14/15</a:t>
             </a:fld>
             <a:endParaRPr lang="en-US"/>
           </a:p>
@@ -2977,7 +2977,7 @@
           <a:p>
             <a:fld id="{9D6228D5-5F93-BB4A-964B-203967C46295}" type="datetimeFigureOut">
               <a:rPr lang="en-US" smtClean="0"/>
-              <a:t>1/19/15</a:t>
+              <a:t>2/14/15</a:t>
             </a:fld>
             <a:endParaRPr lang="en-US"/>
           </a:p>
@@ -3254,7 +3254,7 @@
           <a:p>
             <a:fld id="{9D6228D5-5F93-BB4A-964B-203967C46295}" type="datetimeFigureOut">
               <a:rPr lang="en-US" smtClean="0"/>
-              <a:t>1/19/15</a:t>
+              <a:t>2/14/15</a:t>
             </a:fld>
             <a:endParaRPr lang="en-US"/>
           </a:p>
@@ -3511,7 +3511,7 @@
           <a:p>
             <a:fld id="{9D6228D5-5F93-BB4A-964B-203967C46295}" type="datetimeFigureOut">
               <a:rPr lang="en-US" smtClean="0"/>
-              <a:t>1/19/15</a:t>
+              <a:t>2/14/15</a:t>
             </a:fld>
             <a:endParaRPr lang="en-US"/>
           </a:p>
@@ -3724,7 +3724,7 @@
           <a:p>
             <a:fld id="{9D6228D5-5F93-BB4A-964B-203967C46295}" type="datetimeFigureOut">
               <a:rPr lang="en-US" smtClean="0"/>
-              <a:t>1/19/15</a:t>
+              <a:t>2/14/15</a:t>
             </a:fld>
             <a:endParaRPr lang="en-US"/>
           </a:p>
@@ -4167,6 +4167,10 @@
           <a:bodyPr/>
           <a:lstStyle/>
           <a:p>
+            <a:r>
+              <a:rPr lang="en-US" dirty="0" smtClean="0"/>
+              <a:t>Day 1</a:t>
+            </a:r>
             <a:endParaRPr lang="en-US" dirty="0"/>
           </a:p>
         </p:txBody>
@@ -5250,8 +5254,13 @@
           <a:p>
             <a:r>
               <a:rPr lang="en-US" dirty="0" smtClean="0"/>
-              <a:t>…more likely to be reused in high impact studies (</a:t>
-            </a:r>
+              <a:t>…more likely to be reused in high impact studies </a:t>
+            </a:r>
+            <a:r>
+              <a:rPr lang="en-US" dirty="0" smtClean="0"/>
+              <a:t>(Mayernik et al., 2013)</a:t>
+            </a:r>
+            <a:endParaRPr lang="en-US" dirty="0" smtClean="0"/>
           </a:p>
           <a:p>
             <a:endParaRPr lang="en-US" dirty="0"/>
